--- a/docker4builds-overview.pptx
+++ b/docker4builds-overview.pptx
@@ -2969,1014 +2969,1029 @@
           <a:chExt cx="0" cy="0"/>
         </a:xfrm>
       </p:grpSpPr>
-      <p:sp>
-        <p:nvSpPr>
-          <p:cNvPr id="5" name="Rectángulo 4"/>
-          <p:cNvSpPr/>
+      <p:grpSp>
+        <p:nvGrpSpPr>
+          <p:cNvPr id="2" name="Agrupar 1"/>
+          <p:cNvGrpSpPr/>
           <p:nvPr/>
-        </p:nvSpPr>
-        <p:spPr>
+        </p:nvGrpSpPr>
+        <p:grpSpPr>
           <a:xfrm>
-            <a:off x="513335" y="1384806"/>
-            <a:ext cx="8809464" cy="4079293"/>
+            <a:off x="513335" y="1015474"/>
+            <a:ext cx="8809464" cy="4448625"/>
+            <a:chOff x="513335" y="1015474"/>
+            <a:chExt cx="8809464" cy="4448625"/>
           </a:xfrm>
-          <a:prstGeom prst="rect">
-            <a:avLst/>
-          </a:prstGeom>
-          <a:ln w="12700"/>
-        </p:spPr>
-        <p:style>
-          <a:lnRef idx="2">
-            <a:schemeClr val="accent1">
-              <a:shade val="50000"/>
-            </a:schemeClr>
-          </a:lnRef>
-          <a:fillRef idx="1">
-            <a:schemeClr val="accent1"/>
-          </a:fillRef>
-          <a:effectRef idx="0">
-            <a:schemeClr val="accent1"/>
-          </a:effectRef>
-          <a:fontRef idx="minor">
-            <a:schemeClr val="lt1"/>
-          </a:fontRef>
-        </p:style>
-        <p:txBody>
-          <a:bodyPr rtlCol="0" anchor="ctr"/>
-          <a:lstStyle/>
-          <a:p>
-            <a:pPr algn="ctr"/>
-            <a:endParaRPr lang="en-GB" dirty="0"/>
-          </a:p>
-        </p:txBody>
-      </p:sp>
-      <p:sp>
-        <p:nvSpPr>
-          <p:cNvPr id="6" name="CuadroTexto 5"/>
-          <p:cNvSpPr txBox="1"/>
-          <p:nvPr/>
-        </p:nvSpPr>
-        <p:spPr>
-          <a:xfrm>
-            <a:off x="5429979" y="1015474"/>
-            <a:ext cx="3675686" cy="369332"/>
-          </a:xfrm>
-          <a:prstGeom prst="rect">
-            <a:avLst/>
-          </a:prstGeom>
-          <a:noFill/>
-        </p:spPr>
-        <p:txBody>
-          <a:bodyPr wrap="none" rtlCol="0">
-            <a:spAutoFit/>
-          </a:bodyPr>
-          <a:lstStyle/>
-          <a:p>
-            <a:r>
-              <a:rPr lang="en-GB" dirty="0" smtClean="0"/>
-              <a:t>Host Machine (Mac</a:t>
-            </a:r>
-            <a:r>
-              <a:rPr lang="en-GB" smtClean="0"/>
-              <a:t>, Windows, Linux)</a:t>
-            </a:r>
-            <a:endParaRPr lang="en-GB" dirty="0"/>
-          </a:p>
-        </p:txBody>
-      </p:sp>
-      <p:sp>
-        <p:nvSpPr>
-          <p:cNvPr id="8" name="Rectángulo redondeado 7"/>
-          <p:cNvSpPr/>
-          <p:nvPr/>
-        </p:nvSpPr>
-        <p:spPr>
-          <a:xfrm>
-            <a:off x="5257725" y="2211789"/>
-            <a:ext cx="3811979" cy="2671948"/>
-          </a:xfrm>
-          <a:prstGeom prst="roundRect">
-            <a:avLst/>
-          </a:prstGeom>
-        </p:spPr>
-        <p:style>
-          <a:lnRef idx="3">
-            <a:schemeClr val="lt1"/>
-          </a:lnRef>
-          <a:fillRef idx="1">
-            <a:schemeClr val="accent4"/>
-          </a:fillRef>
-          <a:effectRef idx="1">
-            <a:schemeClr val="accent4"/>
-          </a:effectRef>
-          <a:fontRef idx="minor">
-            <a:schemeClr val="lt1"/>
-          </a:fontRef>
-        </p:style>
-        <p:txBody>
-          <a:bodyPr rtlCol="0" anchor="ctr"/>
-          <a:lstStyle/>
-          <a:p>
-            <a:pPr algn="ctr"/>
-            <a:endParaRPr lang="en-GB"/>
-          </a:p>
-        </p:txBody>
-      </p:sp>
-      <p:sp>
-        <p:nvSpPr>
-          <p:cNvPr id="9" name="CuadroTexto 8"/>
-          <p:cNvSpPr txBox="1"/>
-          <p:nvPr/>
-        </p:nvSpPr>
-        <p:spPr>
-          <a:xfrm flipH="1">
-            <a:off x="7870251" y="1853608"/>
-            <a:ext cx="1003464" cy="369332"/>
-          </a:xfrm>
-          <a:prstGeom prst="rect">
-            <a:avLst/>
-          </a:prstGeom>
-          <a:noFill/>
-        </p:spPr>
-        <p:txBody>
-          <a:bodyPr wrap="square" rtlCol="0">
-            <a:spAutoFit/>
-          </a:bodyPr>
-          <a:lstStyle/>
-          <a:p>
-            <a:r>
-              <a:rPr lang="en-GB" smtClean="0"/>
-              <a:t>Vagrant</a:t>
-            </a:r>
-            <a:endParaRPr lang="en-GB" dirty="0"/>
-          </a:p>
-        </p:txBody>
-      </p:sp>
-      <p:sp>
-        <p:nvSpPr>
-          <p:cNvPr id="10" name="CuadroTexto 9"/>
-          <p:cNvSpPr txBox="1"/>
-          <p:nvPr/>
-        </p:nvSpPr>
-        <p:spPr>
-          <a:xfrm>
-            <a:off x="6099118" y="2303227"/>
-            <a:ext cx="2213939" cy="646331"/>
-          </a:xfrm>
-          <a:prstGeom prst="rect">
-            <a:avLst/>
-          </a:prstGeom>
-          <a:noFill/>
-        </p:spPr>
-        <p:txBody>
-          <a:bodyPr wrap="none" rtlCol="0">
-            <a:spAutoFit/>
-          </a:bodyPr>
-          <a:lstStyle/>
-          <a:p>
-            <a:r>
-              <a:rPr lang="en-GB" dirty="0" smtClean="0"/>
-              <a:t>boot2docker-vagrant</a:t>
-            </a:r>
-          </a:p>
-          <a:p>
-            <a:endParaRPr lang="en-GB" dirty="0"/>
-          </a:p>
-        </p:txBody>
-      </p:sp>
-      <p:sp>
-        <p:nvSpPr>
-          <p:cNvPr id="11" name="Rectángulo redondeado 10"/>
-          <p:cNvSpPr/>
-          <p:nvPr/>
-        </p:nvSpPr>
-        <p:spPr>
-          <a:xfrm>
-            <a:off x="7124801" y="2948928"/>
-            <a:ext cx="1235033" cy="873735"/>
-          </a:xfrm>
-          <a:prstGeom prst="roundRect">
-            <a:avLst/>
-          </a:prstGeom>
-        </p:spPr>
-        <p:style>
-          <a:lnRef idx="2">
-            <a:schemeClr val="accent6">
-              <a:shade val="50000"/>
-            </a:schemeClr>
-          </a:lnRef>
-          <a:fillRef idx="1">
-            <a:schemeClr val="accent6"/>
-          </a:fillRef>
-          <a:effectRef idx="0">
-            <a:schemeClr val="accent6"/>
-          </a:effectRef>
-          <a:fontRef idx="minor">
-            <a:schemeClr val="lt1"/>
-          </a:fontRef>
-        </p:style>
-        <p:txBody>
-          <a:bodyPr rtlCol="0" anchor="ctr"/>
-          <a:lstStyle/>
-          <a:p>
-            <a:pPr algn="ctr"/>
-            <a:endParaRPr lang="en-GB"/>
-          </a:p>
-        </p:txBody>
-      </p:sp>
-      <p:sp>
-        <p:nvSpPr>
-          <p:cNvPr id="13" name="Rectángulo redondeado 12"/>
-          <p:cNvSpPr/>
-          <p:nvPr/>
-        </p:nvSpPr>
-        <p:spPr>
-          <a:xfrm>
-            <a:off x="7370810" y="3238678"/>
-            <a:ext cx="1235033" cy="873735"/>
-          </a:xfrm>
-          <a:prstGeom prst="roundRect">
-            <a:avLst/>
-          </a:prstGeom>
-        </p:spPr>
-        <p:style>
-          <a:lnRef idx="2">
-            <a:schemeClr val="accent6">
-              <a:shade val="50000"/>
-            </a:schemeClr>
-          </a:lnRef>
-          <a:fillRef idx="1">
-            <a:schemeClr val="accent6"/>
-          </a:fillRef>
-          <a:effectRef idx="0">
-            <a:schemeClr val="accent6"/>
-          </a:effectRef>
-          <a:fontRef idx="minor">
-            <a:schemeClr val="lt1"/>
-          </a:fontRef>
-        </p:style>
-        <p:txBody>
-          <a:bodyPr rtlCol="0" anchor="ctr"/>
-          <a:lstStyle/>
-          <a:p>
-            <a:pPr algn="ctr"/>
-            <a:endParaRPr lang="en-GB"/>
-          </a:p>
-        </p:txBody>
-      </p:sp>
-      <p:sp>
-        <p:nvSpPr>
-          <p:cNvPr id="12" name="Rectángulo redondeado 11"/>
-          <p:cNvSpPr/>
-          <p:nvPr/>
-        </p:nvSpPr>
-        <p:spPr>
-          <a:xfrm>
-            <a:off x="7608316" y="3489754"/>
-            <a:ext cx="1235033" cy="873735"/>
-          </a:xfrm>
-          <a:prstGeom prst="roundRect">
-            <a:avLst/>
-          </a:prstGeom>
-        </p:spPr>
-        <p:style>
-          <a:lnRef idx="2">
-            <a:schemeClr val="accent6">
-              <a:shade val="50000"/>
-            </a:schemeClr>
-          </a:lnRef>
-          <a:fillRef idx="1">
-            <a:schemeClr val="accent6"/>
-          </a:fillRef>
-          <a:effectRef idx="0">
-            <a:schemeClr val="accent6"/>
-          </a:effectRef>
-          <a:fontRef idx="minor">
-            <a:schemeClr val="lt1"/>
-          </a:fontRef>
-        </p:style>
-        <p:txBody>
-          <a:bodyPr rtlCol="0" anchor="ctr"/>
-          <a:lstStyle/>
-          <a:p>
-            <a:pPr algn="ctr"/>
-            <a:r>
-              <a:rPr lang="en-GB" sz="1600" dirty="0" smtClean="0"/>
-              <a:t>Docker for Build</a:t>
-            </a:r>
-            <a:endParaRPr lang="en-GB" sz="1600" dirty="0"/>
-          </a:p>
-        </p:txBody>
-      </p:sp>
-      <p:sp>
-        <p:nvSpPr>
-          <p:cNvPr id="19" name="Rectángulo 18"/>
-          <p:cNvSpPr/>
-          <p:nvPr/>
-        </p:nvSpPr>
-        <p:spPr>
-          <a:xfrm>
-            <a:off x="5429979" y="2948929"/>
-            <a:ext cx="1432115" cy="1274998"/>
-          </a:xfrm>
-          <a:prstGeom prst="rect">
-            <a:avLst/>
-          </a:prstGeom>
-        </p:spPr>
-        <p:style>
-          <a:lnRef idx="2">
-            <a:schemeClr val="accent2">
-              <a:shade val="50000"/>
-            </a:schemeClr>
-          </a:lnRef>
-          <a:fillRef idx="1">
-            <a:schemeClr val="accent2"/>
-          </a:fillRef>
-          <a:effectRef idx="0">
-            <a:schemeClr val="accent2"/>
-          </a:effectRef>
-          <a:fontRef idx="minor">
-            <a:schemeClr val="lt1"/>
-          </a:fontRef>
-        </p:style>
-        <p:txBody>
-          <a:bodyPr rtlCol="0" anchor="ctr"/>
-          <a:lstStyle/>
-          <a:p>
-            <a:pPr algn="ctr"/>
-            <a:endParaRPr lang="en-GB" dirty="0"/>
-          </a:p>
-        </p:txBody>
-      </p:sp>
-      <p:sp>
-        <p:nvSpPr>
-          <p:cNvPr id="16" name="Rectángulo 15"/>
-          <p:cNvSpPr/>
-          <p:nvPr/>
-        </p:nvSpPr>
-        <p:spPr>
-          <a:xfrm>
-            <a:off x="5574578" y="3601267"/>
-            <a:ext cx="1052909" cy="529125"/>
-          </a:xfrm>
-          <a:prstGeom prst="rect">
-            <a:avLst/>
-          </a:prstGeom>
-          <a:ln>
-            <a:prstDash val="dash"/>
-          </a:ln>
-        </p:spPr>
-        <p:style>
-          <a:lnRef idx="3">
-            <a:schemeClr val="lt1"/>
-          </a:lnRef>
-          <a:fillRef idx="1">
-            <a:schemeClr val="accent2"/>
-          </a:fillRef>
-          <a:effectRef idx="1">
-            <a:schemeClr val="accent2"/>
-          </a:effectRef>
-          <a:fontRef idx="minor">
-            <a:schemeClr val="lt1"/>
-          </a:fontRef>
-        </p:style>
-        <p:txBody>
-          <a:bodyPr rtlCol="0" anchor="ctr"/>
-          <a:lstStyle/>
-          <a:p>
-            <a:pPr algn="ctr"/>
-            <a:r>
-              <a:rPr lang="en-GB" dirty="0" smtClean="0"/>
-              <a:t>Volume</a:t>
-            </a:r>
-            <a:endParaRPr lang="en-GB" dirty="0"/>
-          </a:p>
-        </p:txBody>
-      </p:sp>
-      <p:sp>
-        <p:nvSpPr>
-          <p:cNvPr id="20" name="CuadroTexto 19"/>
-          <p:cNvSpPr txBox="1"/>
-          <p:nvPr/>
-        </p:nvSpPr>
-        <p:spPr>
-          <a:xfrm>
-            <a:off x="5538675" y="2971807"/>
-            <a:ext cx="1213922" cy="369332"/>
-          </a:xfrm>
-          <a:prstGeom prst="rect">
-            <a:avLst/>
-          </a:prstGeom>
-          <a:noFill/>
-        </p:spPr>
-        <p:txBody>
-          <a:bodyPr wrap="none" rtlCol="0">
-            <a:spAutoFit/>
-          </a:bodyPr>
-          <a:lstStyle/>
-          <a:p>
-            <a:r>
-              <a:rPr lang="en-GB" dirty="0" smtClean="0"/>
-              <a:t>File system</a:t>
-            </a:r>
-            <a:endParaRPr lang="en-GB" dirty="0"/>
-          </a:p>
-        </p:txBody>
-      </p:sp>
-      <p:cxnSp>
-        <p:nvCxnSpPr>
-          <p:cNvPr id="28" name="Conector angular 27"/>
-          <p:cNvCxnSpPr>
-            <a:stCxn id="12" idx="2"/>
-            <a:endCxn id="16" idx="2"/>
-          </p:cNvCxnSpPr>
-          <p:nvPr/>
-        </p:nvCxnSpPr>
-        <p:spPr>
-          <a:xfrm rot="5400000" flipH="1">
-            <a:off x="7046884" y="3184541"/>
-            <a:ext cx="233097" cy="2124800"/>
-          </a:xfrm>
-          <a:prstGeom prst="bentConnector3">
-            <a:avLst>
-              <a:gd name="adj1" fmla="val -98071"/>
-            </a:avLst>
-          </a:prstGeom>
-          <a:ln w="19050">
-            <a:solidFill>
+        </p:grpSpPr>
+        <p:sp>
+          <p:nvSpPr>
+            <p:cNvPr id="5" name="Rectángulo 4"/>
+            <p:cNvSpPr/>
+            <p:nvPr/>
+          </p:nvSpPr>
+          <p:spPr>
+            <a:xfrm>
+              <a:off x="513335" y="1384806"/>
+              <a:ext cx="8809464" cy="4079293"/>
+            </a:xfrm>
+            <a:prstGeom prst="rect">
+              <a:avLst/>
+            </a:prstGeom>
+            <a:ln w="12700"/>
+          </p:spPr>
+          <p:style>
+            <a:lnRef idx="2">
+              <a:schemeClr val="accent1">
+                <a:shade val="50000"/>
+              </a:schemeClr>
+            </a:lnRef>
+            <a:fillRef idx="1">
+              <a:schemeClr val="accent1"/>
+            </a:fillRef>
+            <a:effectRef idx="0">
+              <a:schemeClr val="accent1"/>
+            </a:effectRef>
+            <a:fontRef idx="minor">
+              <a:schemeClr val="lt1"/>
+            </a:fontRef>
+          </p:style>
+          <p:txBody>
+            <a:bodyPr rtlCol="0" anchor="ctr"/>
+            <a:lstStyle/>
+            <a:p>
+              <a:pPr algn="ctr"/>
+              <a:endParaRPr lang="en-GB" dirty="0"/>
+            </a:p>
+          </p:txBody>
+        </p:sp>
+        <p:sp>
+          <p:nvSpPr>
+            <p:cNvPr id="6" name="CuadroTexto 5"/>
+            <p:cNvSpPr txBox="1"/>
+            <p:nvPr/>
+          </p:nvSpPr>
+          <p:spPr>
+            <a:xfrm>
+              <a:off x="5429979" y="1015474"/>
+              <a:ext cx="3675686" cy="369332"/>
+            </a:xfrm>
+            <a:prstGeom prst="rect">
+              <a:avLst/>
+            </a:prstGeom>
+            <a:noFill/>
+          </p:spPr>
+          <p:txBody>
+            <a:bodyPr wrap="none" rtlCol="0">
+              <a:spAutoFit/>
+            </a:bodyPr>
+            <a:lstStyle/>
+            <a:p>
+              <a:r>
+                <a:rPr lang="en-GB" dirty="0" smtClean="0"/>
+                <a:t>Host Machine (Mac</a:t>
+              </a:r>
+              <a:r>
+                <a:rPr lang="en-GB" smtClean="0"/>
+                <a:t>, Windows, Linux)</a:t>
+              </a:r>
+              <a:endParaRPr lang="en-GB" dirty="0"/>
+            </a:p>
+          </p:txBody>
+        </p:sp>
+        <p:sp>
+          <p:nvSpPr>
+            <p:cNvPr id="8" name="Rectángulo redondeado 7"/>
+            <p:cNvSpPr/>
+            <p:nvPr/>
+          </p:nvSpPr>
+          <p:spPr>
+            <a:xfrm>
+              <a:off x="5257725" y="2211789"/>
+              <a:ext cx="3811979" cy="2671948"/>
+            </a:xfrm>
+            <a:prstGeom prst="roundRect">
+              <a:avLst/>
+            </a:prstGeom>
+          </p:spPr>
+          <p:style>
+            <a:lnRef idx="3">
+              <a:schemeClr val="lt1"/>
+            </a:lnRef>
+            <a:fillRef idx="1">
+              <a:schemeClr val="accent4"/>
+            </a:fillRef>
+            <a:effectRef idx="1">
+              <a:schemeClr val="accent4"/>
+            </a:effectRef>
+            <a:fontRef idx="minor">
+              <a:schemeClr val="lt1"/>
+            </a:fontRef>
+          </p:style>
+          <p:txBody>
+            <a:bodyPr rtlCol="0" anchor="ctr"/>
+            <a:lstStyle/>
+            <a:p>
+              <a:pPr algn="ctr"/>
+              <a:endParaRPr lang="en-GB"/>
+            </a:p>
+          </p:txBody>
+        </p:sp>
+        <p:sp>
+          <p:nvSpPr>
+            <p:cNvPr id="9" name="CuadroTexto 8"/>
+            <p:cNvSpPr txBox="1"/>
+            <p:nvPr/>
+          </p:nvSpPr>
+          <p:spPr>
+            <a:xfrm flipH="1">
+              <a:off x="7870251" y="1853608"/>
+              <a:ext cx="1003464" cy="369332"/>
+            </a:xfrm>
+            <a:prstGeom prst="rect">
+              <a:avLst/>
+            </a:prstGeom>
+            <a:noFill/>
+          </p:spPr>
+          <p:txBody>
+            <a:bodyPr wrap="square" rtlCol="0">
+              <a:spAutoFit/>
+            </a:bodyPr>
+            <a:lstStyle/>
+            <a:p>
+              <a:r>
+                <a:rPr lang="en-GB" smtClean="0"/>
+                <a:t>Vagrant</a:t>
+              </a:r>
+              <a:endParaRPr lang="en-GB" dirty="0"/>
+            </a:p>
+          </p:txBody>
+        </p:sp>
+        <p:sp>
+          <p:nvSpPr>
+            <p:cNvPr id="10" name="CuadroTexto 9"/>
+            <p:cNvSpPr txBox="1"/>
+            <p:nvPr/>
+          </p:nvSpPr>
+          <p:spPr>
+            <a:xfrm>
+              <a:off x="6099118" y="2303227"/>
+              <a:ext cx="2213939" cy="646331"/>
+            </a:xfrm>
+            <a:prstGeom prst="rect">
+              <a:avLst/>
+            </a:prstGeom>
+            <a:noFill/>
+          </p:spPr>
+          <p:txBody>
+            <a:bodyPr wrap="none" rtlCol="0">
+              <a:spAutoFit/>
+            </a:bodyPr>
+            <a:lstStyle/>
+            <a:p>
+              <a:r>
+                <a:rPr lang="en-GB" dirty="0" smtClean="0"/>
+                <a:t>boot2docker-vagrant</a:t>
+              </a:r>
+            </a:p>
+            <a:p>
+              <a:endParaRPr lang="en-GB" dirty="0"/>
+            </a:p>
+          </p:txBody>
+        </p:sp>
+        <p:sp>
+          <p:nvSpPr>
+            <p:cNvPr id="11" name="Rectángulo redondeado 10"/>
+            <p:cNvSpPr/>
+            <p:nvPr/>
+          </p:nvSpPr>
+          <p:spPr>
+            <a:xfrm>
+              <a:off x="7124801" y="2948928"/>
+              <a:ext cx="1235033" cy="873735"/>
+            </a:xfrm>
+            <a:prstGeom prst="roundRect">
+              <a:avLst/>
+            </a:prstGeom>
+          </p:spPr>
+          <p:style>
+            <a:lnRef idx="2">
+              <a:schemeClr val="accent6">
+                <a:shade val="50000"/>
+              </a:schemeClr>
+            </a:lnRef>
+            <a:fillRef idx="1">
+              <a:schemeClr val="accent6"/>
+            </a:fillRef>
+            <a:effectRef idx="0">
+              <a:schemeClr val="accent6"/>
+            </a:effectRef>
+            <a:fontRef idx="minor">
+              <a:schemeClr val="lt1"/>
+            </a:fontRef>
+          </p:style>
+          <p:txBody>
+            <a:bodyPr rtlCol="0" anchor="ctr"/>
+            <a:lstStyle/>
+            <a:p>
+              <a:pPr algn="ctr"/>
+              <a:endParaRPr lang="en-GB"/>
+            </a:p>
+          </p:txBody>
+        </p:sp>
+        <p:sp>
+          <p:nvSpPr>
+            <p:cNvPr id="13" name="Rectángulo redondeado 12"/>
+            <p:cNvSpPr/>
+            <p:nvPr/>
+          </p:nvSpPr>
+          <p:spPr>
+            <a:xfrm>
+              <a:off x="7370810" y="3238678"/>
+              <a:ext cx="1235033" cy="873735"/>
+            </a:xfrm>
+            <a:prstGeom prst="roundRect">
+              <a:avLst/>
+            </a:prstGeom>
+          </p:spPr>
+          <p:style>
+            <a:lnRef idx="2">
+              <a:schemeClr val="accent6">
+                <a:shade val="50000"/>
+              </a:schemeClr>
+            </a:lnRef>
+            <a:fillRef idx="1">
+              <a:schemeClr val="accent6"/>
+            </a:fillRef>
+            <a:effectRef idx="0">
+              <a:schemeClr val="accent6"/>
+            </a:effectRef>
+            <a:fontRef idx="minor">
+              <a:schemeClr val="lt1"/>
+            </a:fontRef>
+          </p:style>
+          <p:txBody>
+            <a:bodyPr rtlCol="0" anchor="ctr"/>
+            <a:lstStyle/>
+            <a:p>
+              <a:pPr algn="ctr"/>
+              <a:endParaRPr lang="en-GB"/>
+            </a:p>
+          </p:txBody>
+        </p:sp>
+        <p:sp>
+          <p:nvSpPr>
+            <p:cNvPr id="12" name="Rectángulo redondeado 11"/>
+            <p:cNvSpPr/>
+            <p:nvPr/>
+          </p:nvSpPr>
+          <p:spPr>
+            <a:xfrm>
+              <a:off x="7608316" y="3489754"/>
+              <a:ext cx="1235033" cy="873735"/>
+            </a:xfrm>
+            <a:prstGeom prst="roundRect">
+              <a:avLst/>
+            </a:prstGeom>
+          </p:spPr>
+          <p:style>
+            <a:lnRef idx="2">
+              <a:schemeClr val="accent6">
+                <a:shade val="50000"/>
+              </a:schemeClr>
+            </a:lnRef>
+            <a:fillRef idx="1">
+              <a:schemeClr val="accent6"/>
+            </a:fillRef>
+            <a:effectRef idx="0">
+              <a:schemeClr val="accent6"/>
+            </a:effectRef>
+            <a:fontRef idx="minor">
+              <a:schemeClr val="lt1"/>
+            </a:fontRef>
+          </p:style>
+          <p:txBody>
+            <a:bodyPr rtlCol="0" anchor="ctr"/>
+            <a:lstStyle/>
+            <a:p>
+              <a:pPr algn="ctr"/>
+              <a:r>
+                <a:rPr lang="en-GB" sz="1600" dirty="0" smtClean="0"/>
+                <a:t>Docker for Build</a:t>
+              </a:r>
+              <a:endParaRPr lang="en-GB" sz="1600" dirty="0"/>
+            </a:p>
+          </p:txBody>
+        </p:sp>
+        <p:sp>
+          <p:nvSpPr>
+            <p:cNvPr id="19" name="Rectángulo 18"/>
+            <p:cNvSpPr/>
+            <p:nvPr/>
+          </p:nvSpPr>
+          <p:spPr>
+            <a:xfrm>
+              <a:off x="5429979" y="2948929"/>
+              <a:ext cx="1432115" cy="1274998"/>
+            </a:xfrm>
+            <a:prstGeom prst="rect">
+              <a:avLst/>
+            </a:prstGeom>
+          </p:spPr>
+          <p:style>
+            <a:lnRef idx="2">
+              <a:schemeClr val="accent2">
+                <a:shade val="50000"/>
+              </a:schemeClr>
+            </a:lnRef>
+            <a:fillRef idx="1">
+              <a:schemeClr val="accent2"/>
+            </a:fillRef>
+            <a:effectRef idx="0">
+              <a:schemeClr val="accent2"/>
+            </a:effectRef>
+            <a:fontRef idx="minor">
+              <a:schemeClr val="lt1"/>
+            </a:fontRef>
+          </p:style>
+          <p:txBody>
+            <a:bodyPr rtlCol="0" anchor="ctr"/>
+            <a:lstStyle/>
+            <a:p>
+              <a:pPr algn="ctr"/>
+              <a:endParaRPr lang="en-GB" dirty="0"/>
+            </a:p>
+          </p:txBody>
+        </p:sp>
+        <p:sp>
+          <p:nvSpPr>
+            <p:cNvPr id="16" name="Rectángulo 15"/>
+            <p:cNvSpPr/>
+            <p:nvPr/>
+          </p:nvSpPr>
+          <p:spPr>
+            <a:xfrm>
+              <a:off x="5574578" y="3601267"/>
+              <a:ext cx="1052909" cy="529125"/>
+            </a:xfrm>
+            <a:prstGeom prst="rect">
+              <a:avLst/>
+            </a:prstGeom>
+            <a:ln>
+              <a:prstDash val="dash"/>
+            </a:ln>
+          </p:spPr>
+          <p:style>
+            <a:lnRef idx="3">
+              <a:schemeClr val="lt1"/>
+            </a:lnRef>
+            <a:fillRef idx="1">
+              <a:schemeClr val="accent2"/>
+            </a:fillRef>
+            <a:effectRef idx="1">
+              <a:schemeClr val="accent2"/>
+            </a:effectRef>
+            <a:fontRef idx="minor">
+              <a:schemeClr val="lt1"/>
+            </a:fontRef>
+          </p:style>
+          <p:txBody>
+            <a:bodyPr rtlCol="0" anchor="ctr"/>
+            <a:lstStyle/>
+            <a:p>
+              <a:pPr algn="ctr"/>
+              <a:r>
+                <a:rPr lang="en-GB" dirty="0" smtClean="0"/>
+                <a:t>Volume</a:t>
+              </a:r>
+              <a:endParaRPr lang="en-GB" dirty="0"/>
+            </a:p>
+          </p:txBody>
+        </p:sp>
+        <p:sp>
+          <p:nvSpPr>
+            <p:cNvPr id="20" name="CuadroTexto 19"/>
+            <p:cNvSpPr txBox="1"/>
+            <p:nvPr/>
+          </p:nvSpPr>
+          <p:spPr>
+            <a:xfrm>
+              <a:off x="5538675" y="2971807"/>
+              <a:ext cx="1213922" cy="369332"/>
+            </a:xfrm>
+            <a:prstGeom prst="rect">
+              <a:avLst/>
+            </a:prstGeom>
+            <a:noFill/>
+          </p:spPr>
+          <p:txBody>
+            <a:bodyPr wrap="none" rtlCol="0">
+              <a:spAutoFit/>
+            </a:bodyPr>
+            <a:lstStyle/>
+            <a:p>
+              <a:r>
+                <a:rPr lang="en-GB" dirty="0" smtClean="0"/>
+                <a:t>File system</a:t>
+              </a:r>
+              <a:endParaRPr lang="en-GB" dirty="0"/>
+            </a:p>
+          </p:txBody>
+        </p:sp>
+        <p:cxnSp>
+          <p:nvCxnSpPr>
+            <p:cNvPr id="28" name="Conector angular 27"/>
+            <p:cNvCxnSpPr>
+              <a:stCxn id="12" idx="2"/>
+              <a:endCxn id="16" idx="2"/>
+            </p:cNvCxnSpPr>
+            <p:nvPr/>
+          </p:nvCxnSpPr>
+          <p:spPr>
+            <a:xfrm rot="5400000" flipH="1">
+              <a:off x="7046884" y="3184541"/>
+              <a:ext cx="233097" cy="2124800"/>
+            </a:xfrm>
+            <a:prstGeom prst="bentConnector3">
+              <a:avLst>
+                <a:gd name="adj1" fmla="val -98071"/>
+              </a:avLst>
+            </a:prstGeom>
+            <a:ln w="19050">
+              <a:solidFill>
+                <a:schemeClr val="tx1"/>
+              </a:solidFill>
+              <a:headEnd type="none"/>
+              <a:tailEnd type="triangle" w="lg" len="med"/>
+            </a:ln>
+          </p:spPr>
+          <p:style>
+            <a:lnRef idx="1">
+              <a:schemeClr val="accent1"/>
+            </a:lnRef>
+            <a:fillRef idx="0">
+              <a:schemeClr val="accent1"/>
+            </a:fillRef>
+            <a:effectRef idx="0">
+              <a:schemeClr val="accent1"/>
+            </a:effectRef>
+            <a:fontRef idx="minor">
               <a:schemeClr val="tx1"/>
-            </a:solidFill>
-            <a:headEnd type="none"/>
-            <a:tailEnd type="triangle" w="lg" len="med"/>
-          </a:ln>
-        </p:spPr>
-        <p:style>
-          <a:lnRef idx="1">
-            <a:schemeClr val="accent1"/>
-          </a:lnRef>
-          <a:fillRef idx="0">
-            <a:schemeClr val="accent1"/>
-          </a:fillRef>
-          <a:effectRef idx="0">
-            <a:schemeClr val="accent1"/>
-          </a:effectRef>
-          <a:fontRef idx="minor">
-            <a:schemeClr val="tx1"/>
-          </a:fontRef>
-        </p:style>
-      </p:cxnSp>
-      <p:sp>
-        <p:nvSpPr>
-          <p:cNvPr id="30" name="Rectángulo redondeado 29"/>
-          <p:cNvSpPr/>
-          <p:nvPr/>
-        </p:nvSpPr>
-        <p:spPr>
-          <a:xfrm>
-            <a:off x="2051656" y="1643434"/>
-            <a:ext cx="1340391" cy="1186527"/>
-          </a:xfrm>
-          <a:prstGeom prst="roundRect">
-            <a:avLst/>
-          </a:prstGeom>
-        </p:spPr>
-        <p:style>
-          <a:lnRef idx="3">
-            <a:schemeClr val="lt1"/>
-          </a:lnRef>
-          <a:fillRef idx="1">
-            <a:schemeClr val="accent3"/>
-          </a:fillRef>
-          <a:effectRef idx="1">
-            <a:schemeClr val="accent3"/>
-          </a:effectRef>
-          <a:fontRef idx="minor">
-            <a:schemeClr val="lt1"/>
-          </a:fontRef>
-        </p:style>
-        <p:txBody>
-          <a:bodyPr rtlCol="0" anchor="ctr"/>
-          <a:lstStyle/>
-          <a:p>
-            <a:pPr algn="ctr"/>
-            <a:r>
-              <a:rPr lang="en-GB" dirty="0" smtClean="0">
+            </a:fontRef>
+          </p:style>
+        </p:cxnSp>
+        <p:sp>
+          <p:nvSpPr>
+            <p:cNvPr id="30" name="Rectángulo redondeado 29"/>
+            <p:cNvSpPr/>
+            <p:nvPr/>
+          </p:nvSpPr>
+          <p:spPr>
+            <a:xfrm>
+              <a:off x="2051656" y="1643434"/>
+              <a:ext cx="1340391" cy="1186527"/>
+            </a:xfrm>
+            <a:prstGeom prst="roundRect">
+              <a:avLst/>
+            </a:prstGeom>
+          </p:spPr>
+          <p:style>
+            <a:lnRef idx="3">
+              <a:schemeClr val="lt1"/>
+            </a:lnRef>
+            <a:fillRef idx="1">
+              <a:schemeClr val="accent3"/>
+            </a:fillRef>
+            <a:effectRef idx="1">
+              <a:schemeClr val="accent3"/>
+            </a:effectRef>
+            <a:fontRef idx="minor">
+              <a:schemeClr val="lt1"/>
+            </a:fontRef>
+          </p:style>
+          <p:txBody>
+            <a:bodyPr rtlCol="0" anchor="ctr"/>
+            <a:lstStyle/>
+            <a:p>
+              <a:pPr algn="ctr"/>
+              <a:r>
+                <a:rPr lang="en-GB" dirty="0" smtClean="0">
+                  <a:solidFill>
+                    <a:schemeClr val="tx1"/>
+                  </a:solidFill>
+                </a:rPr>
+                <a:t>IDE, SCM client, </a:t>
+              </a:r>
+              <a:r>
+                <a:rPr lang="is-IS" dirty="0" smtClean="0">
+                  <a:solidFill>
+                    <a:schemeClr val="tx1"/>
+                  </a:solidFill>
+                </a:rPr>
+                <a:t>…</a:t>
+              </a:r>
+              <a:endParaRPr lang="en-GB" dirty="0">
                 <a:solidFill>
                   <a:schemeClr val="tx1"/>
                 </a:solidFill>
-              </a:rPr>
-              <a:t>IDE, SCM client, </a:t>
-            </a:r>
-            <a:r>
-              <a:rPr lang="is-IS" dirty="0" smtClean="0">
-                <a:solidFill>
-                  <a:schemeClr val="tx1"/>
-                </a:solidFill>
-              </a:rPr>
-              <a:t>…</a:t>
-            </a:r>
-            <a:endParaRPr lang="en-GB" dirty="0">
-              <a:solidFill>
-                <a:schemeClr val="tx1"/>
-              </a:solidFill>
-            </a:endParaRPr>
-          </a:p>
-        </p:txBody>
-      </p:sp>
-      <p:sp>
-        <p:nvSpPr>
-          <p:cNvPr id="31" name="Rectángulo 30"/>
-          <p:cNvSpPr/>
-          <p:nvPr/>
-        </p:nvSpPr>
-        <p:spPr>
-          <a:xfrm>
-            <a:off x="1679113" y="3359575"/>
-            <a:ext cx="2080852" cy="1881499"/>
-          </a:xfrm>
-          <a:prstGeom prst="rect">
-            <a:avLst/>
-          </a:prstGeom>
-        </p:spPr>
-        <p:style>
-          <a:lnRef idx="2">
-            <a:schemeClr val="accent2">
-              <a:shade val="50000"/>
-            </a:schemeClr>
-          </a:lnRef>
-          <a:fillRef idx="1">
-            <a:schemeClr val="accent2"/>
-          </a:fillRef>
-          <a:effectRef idx="0">
-            <a:schemeClr val="accent2"/>
-          </a:effectRef>
-          <a:fontRef idx="minor">
-            <a:schemeClr val="lt1"/>
-          </a:fontRef>
-        </p:style>
-        <p:txBody>
-          <a:bodyPr rtlCol="0" anchor="ctr"/>
-          <a:lstStyle/>
-          <a:p>
-            <a:pPr algn="ctr"/>
-            <a:endParaRPr lang="en-GB" dirty="0"/>
-          </a:p>
-        </p:txBody>
-      </p:sp>
-      <p:sp>
-        <p:nvSpPr>
-          <p:cNvPr id="32" name="CuadroTexto 31"/>
-          <p:cNvSpPr txBox="1"/>
-          <p:nvPr/>
-        </p:nvSpPr>
-        <p:spPr>
-          <a:xfrm>
-            <a:off x="2112577" y="3379072"/>
-            <a:ext cx="1213922" cy="369332"/>
-          </a:xfrm>
-          <a:prstGeom prst="rect">
-            <a:avLst/>
-          </a:prstGeom>
-          <a:noFill/>
-        </p:spPr>
-        <p:txBody>
-          <a:bodyPr wrap="none" rtlCol="0">
-            <a:spAutoFit/>
-          </a:bodyPr>
-          <a:lstStyle/>
-          <a:p>
-            <a:r>
-              <a:rPr lang="en-GB" dirty="0" smtClean="0"/>
-              <a:t>File system</a:t>
-            </a:r>
-            <a:endParaRPr lang="en-GB" dirty="0"/>
-          </a:p>
-        </p:txBody>
-      </p:sp>
-      <p:sp>
-        <p:nvSpPr>
-          <p:cNvPr id="33" name="Rectángulo 32"/>
-          <p:cNvSpPr/>
-          <p:nvPr/>
-        </p:nvSpPr>
-        <p:spPr>
-          <a:xfrm>
-            <a:off x="1845785" y="3862729"/>
-            <a:ext cx="1747507" cy="529125"/>
-          </a:xfrm>
-          <a:prstGeom prst="rect">
-            <a:avLst/>
-          </a:prstGeom>
-          <a:ln>
-            <a:prstDash val="dash"/>
-          </a:ln>
-        </p:spPr>
-        <p:style>
-          <a:lnRef idx="3">
-            <a:schemeClr val="lt1"/>
-          </a:lnRef>
-          <a:fillRef idx="1">
-            <a:schemeClr val="accent2"/>
-          </a:fillRef>
-          <a:effectRef idx="1">
-            <a:schemeClr val="accent2"/>
-          </a:effectRef>
-          <a:fontRef idx="minor">
-            <a:schemeClr val="lt1"/>
-          </a:fontRef>
-        </p:style>
-        <p:txBody>
-          <a:bodyPr rtlCol="0" anchor="ctr"/>
-          <a:lstStyle/>
-          <a:p>
-            <a:pPr algn="ctr"/>
-            <a:r>
-              <a:rPr lang="en-GB" sz="1600" dirty="0" smtClean="0"/>
-              <a:t>Source projects</a:t>
-            </a:r>
-            <a:endParaRPr lang="en-GB" sz="1600" dirty="0"/>
-          </a:p>
-        </p:txBody>
-      </p:sp>
-      <p:sp>
-        <p:nvSpPr>
-          <p:cNvPr id="34" name="Rectángulo 33"/>
-          <p:cNvSpPr/>
-          <p:nvPr/>
-        </p:nvSpPr>
-        <p:spPr>
-          <a:xfrm>
-            <a:off x="1845785" y="4533032"/>
-            <a:ext cx="1747507" cy="529125"/>
-          </a:xfrm>
-          <a:prstGeom prst="rect">
-            <a:avLst/>
-          </a:prstGeom>
-          <a:ln>
-            <a:prstDash val="dash"/>
-          </a:ln>
-        </p:spPr>
-        <p:style>
-          <a:lnRef idx="3">
-            <a:schemeClr val="lt1"/>
-          </a:lnRef>
-          <a:fillRef idx="1">
-            <a:schemeClr val="accent2"/>
-          </a:fillRef>
-          <a:effectRef idx="1">
-            <a:schemeClr val="accent2"/>
-          </a:effectRef>
-          <a:fontRef idx="minor">
-            <a:schemeClr val="lt1"/>
-          </a:fontRef>
-        </p:style>
-        <p:txBody>
-          <a:bodyPr rtlCol="0" anchor="ctr"/>
-          <a:lstStyle/>
-          <a:p>
-            <a:pPr algn="ctr"/>
-            <a:r>
-              <a:rPr lang="en-GB" sz="1600" dirty="0" smtClean="0"/>
-              <a:t>Reports, Logs, </a:t>
-            </a:r>
-            <a:r>
-              <a:rPr lang="is-IS" sz="1600" dirty="0" smtClean="0"/>
-              <a:t>…</a:t>
-            </a:r>
-            <a:endParaRPr lang="en-GB" sz="1600" dirty="0"/>
-          </a:p>
-        </p:txBody>
-      </p:sp>
-      <p:cxnSp>
-        <p:nvCxnSpPr>
-          <p:cNvPr id="38" name="Conector angular 37"/>
-          <p:cNvCxnSpPr>
-            <a:stCxn id="34" idx="3"/>
-            <a:endCxn id="16" idx="1"/>
-          </p:cNvCxnSpPr>
-          <p:nvPr/>
-        </p:nvCxnSpPr>
-        <p:spPr>
-          <a:xfrm flipV="1">
-            <a:off x="3593292" y="3865830"/>
-            <a:ext cx="1981286" cy="931765"/>
-          </a:xfrm>
-          <a:prstGeom prst="bentConnector3">
-            <a:avLst>
-              <a:gd name="adj1" fmla="val 75890"/>
-            </a:avLst>
-          </a:prstGeom>
-          <a:ln>
-            <a:headEnd type="triangle" w="lg" len="med"/>
-            <a:tailEnd type="triangle" w="lg" len="med"/>
-          </a:ln>
-        </p:spPr>
-        <p:style>
-          <a:lnRef idx="3">
-            <a:schemeClr val="dk1"/>
-          </a:lnRef>
-          <a:fillRef idx="0">
-            <a:schemeClr val="dk1"/>
-          </a:fillRef>
-          <a:effectRef idx="2">
-            <a:schemeClr val="dk1"/>
-          </a:effectRef>
-          <a:fontRef idx="minor">
-            <a:schemeClr val="tx1"/>
-          </a:fontRef>
-        </p:style>
-      </p:cxnSp>
-      <p:sp>
-        <p:nvSpPr>
-          <p:cNvPr id="39" name="Rectángulo 38"/>
-          <p:cNvSpPr/>
-          <p:nvPr/>
-        </p:nvSpPr>
-        <p:spPr>
-          <a:xfrm>
-            <a:off x="5720475" y="3461703"/>
-            <a:ext cx="1052909" cy="529125"/>
-          </a:xfrm>
-          <a:prstGeom prst="rect">
-            <a:avLst/>
-          </a:prstGeom>
-          <a:ln>
-            <a:prstDash val="dash"/>
-          </a:ln>
-        </p:spPr>
-        <p:style>
-          <a:lnRef idx="3">
-            <a:schemeClr val="lt1"/>
-          </a:lnRef>
-          <a:fillRef idx="1">
-            <a:schemeClr val="accent2"/>
-          </a:fillRef>
-          <a:effectRef idx="1">
-            <a:schemeClr val="accent2"/>
-          </a:effectRef>
-          <a:fontRef idx="minor">
-            <a:schemeClr val="lt1"/>
-          </a:fontRef>
-        </p:style>
-        <p:txBody>
-          <a:bodyPr rtlCol="0" anchor="ctr"/>
-          <a:lstStyle/>
-          <a:p>
-            <a:pPr algn="ctr"/>
-            <a:r>
-              <a:rPr lang="en-GB" sz="1600" dirty="0" smtClean="0"/>
-              <a:t>Volume</a:t>
-            </a:r>
-            <a:endParaRPr lang="en-GB" sz="1600" dirty="0"/>
-          </a:p>
-        </p:txBody>
-      </p:sp>
-      <p:cxnSp>
-        <p:nvCxnSpPr>
-          <p:cNvPr id="44" name="Conector angular 43"/>
-          <p:cNvCxnSpPr>
-            <a:stCxn id="33" idx="3"/>
-            <a:endCxn id="39" idx="1"/>
-          </p:cNvCxnSpPr>
-          <p:nvPr/>
-        </p:nvCxnSpPr>
-        <p:spPr>
-          <a:xfrm flipV="1">
-            <a:off x="3593292" y="3726266"/>
-            <a:ext cx="2127183" cy="401026"/>
-          </a:xfrm>
-          <a:prstGeom prst="bentConnector3">
-            <a:avLst>
-              <a:gd name="adj1" fmla="val 63630"/>
-            </a:avLst>
-          </a:prstGeom>
-          <a:ln>
-            <a:tailEnd type="triangle" w="lg" len="med"/>
-          </a:ln>
-        </p:spPr>
-        <p:style>
-          <a:lnRef idx="3">
-            <a:schemeClr val="dk1"/>
-          </a:lnRef>
-          <a:fillRef idx="0">
-            <a:schemeClr val="dk1"/>
-          </a:fillRef>
-          <a:effectRef idx="2">
-            <a:schemeClr val="dk1"/>
-          </a:effectRef>
-          <a:fontRef idx="minor">
-            <a:schemeClr val="tx1"/>
-          </a:fontRef>
-        </p:style>
-      </p:cxnSp>
-      <p:sp>
-        <p:nvSpPr>
-          <p:cNvPr id="47" name="CuadroTexto 46"/>
-          <p:cNvSpPr txBox="1"/>
-          <p:nvPr/>
-        </p:nvSpPr>
-        <p:spPr>
-          <a:xfrm>
-            <a:off x="3888668" y="4459040"/>
-            <a:ext cx="900696" cy="338554"/>
-          </a:xfrm>
-          <a:prstGeom prst="rect">
-            <a:avLst/>
-          </a:prstGeom>
-          <a:noFill/>
-        </p:spPr>
-        <p:txBody>
-          <a:bodyPr wrap="none" rtlCol="0">
-            <a:spAutoFit/>
-          </a:bodyPr>
-          <a:lstStyle/>
-          <a:p>
-            <a:r>
-              <a:rPr lang="en-GB" sz="1600" dirty="0" smtClean="0"/>
-              <a:t>r/w (nfs)</a:t>
-            </a:r>
-            <a:endParaRPr lang="en-GB" sz="1600" dirty="0"/>
-          </a:p>
-        </p:txBody>
-      </p:sp>
-      <p:cxnSp>
-        <p:nvCxnSpPr>
-          <p:cNvPr id="3" name="Conector angular 2"/>
-          <p:cNvCxnSpPr>
-            <a:stCxn id="30" idx="1"/>
-            <a:endCxn id="33" idx="1"/>
-          </p:cNvCxnSpPr>
-          <p:nvPr/>
-        </p:nvCxnSpPr>
-        <p:spPr>
-          <a:xfrm rot="10800000" flipV="1">
-            <a:off x="1845786" y="2236698"/>
-            <a:ext cx="205871" cy="1890594"/>
-          </a:xfrm>
-          <a:prstGeom prst="bentConnector3">
-            <a:avLst>
-              <a:gd name="adj1" fmla="val 492704"/>
-            </a:avLst>
-          </a:prstGeom>
-          <a:ln>
-            <a:tailEnd type="triangle"/>
-          </a:ln>
-        </p:spPr>
-        <p:style>
-          <a:lnRef idx="3">
-            <a:schemeClr val="dk1"/>
-          </a:lnRef>
-          <a:fillRef idx="0">
-            <a:schemeClr val="dk1"/>
-          </a:fillRef>
-          <a:effectRef idx="2">
-            <a:schemeClr val="dk1"/>
-          </a:effectRef>
-          <a:fontRef idx="minor">
-            <a:schemeClr val="tx1"/>
-          </a:fontRef>
-        </p:style>
-      </p:cxnSp>
-      <p:sp>
-        <p:nvSpPr>
-          <p:cNvPr id="36" name="CuadroTexto 35"/>
-          <p:cNvSpPr txBox="1"/>
-          <p:nvPr/>
-        </p:nvSpPr>
-        <p:spPr>
-          <a:xfrm>
-            <a:off x="927282" y="4467980"/>
-            <a:ext cx="561885" cy="338554"/>
-          </a:xfrm>
-          <a:prstGeom prst="rect">
-            <a:avLst/>
-          </a:prstGeom>
-          <a:noFill/>
-        </p:spPr>
-        <p:txBody>
-          <a:bodyPr wrap="none" rtlCol="0">
-            <a:spAutoFit/>
-          </a:bodyPr>
-          <a:lstStyle/>
-          <a:p>
-            <a:r>
-              <a:rPr lang="en-GB" sz="1600" dirty="0" smtClean="0"/>
-              <a:t>read</a:t>
-            </a:r>
-            <a:endParaRPr lang="en-GB" sz="1600" dirty="0"/>
-          </a:p>
-        </p:txBody>
-      </p:sp>
-      <p:sp>
-        <p:nvSpPr>
-          <p:cNvPr id="40" name="CuadroTexto 39"/>
-          <p:cNvSpPr txBox="1"/>
-          <p:nvPr/>
-        </p:nvSpPr>
-        <p:spPr>
-          <a:xfrm>
-            <a:off x="3752620" y="3782208"/>
-            <a:ext cx="1165447" cy="338554"/>
-          </a:xfrm>
-          <a:prstGeom prst="rect">
-            <a:avLst/>
-          </a:prstGeom>
-          <a:noFill/>
-        </p:spPr>
-        <p:txBody>
-          <a:bodyPr wrap="none" rtlCol="0">
-            <a:spAutoFit/>
-          </a:bodyPr>
-          <a:lstStyle/>
-          <a:p>
-            <a:r>
-              <a:rPr lang="en-GB" sz="1600" smtClean="0"/>
-              <a:t>read </a:t>
-            </a:r>
-            <a:r>
-              <a:rPr lang="en-GB" sz="1600" dirty="0" smtClean="0"/>
-              <a:t>(rsync)</a:t>
-            </a:r>
-            <a:endParaRPr lang="en-GB" sz="1600" dirty="0"/>
-          </a:p>
-        </p:txBody>
-      </p:sp>
-      <p:sp>
-        <p:nvSpPr>
-          <p:cNvPr id="48" name="CuadroTexto 47"/>
-          <p:cNvSpPr txBox="1"/>
-          <p:nvPr/>
-        </p:nvSpPr>
-        <p:spPr>
-          <a:xfrm>
-            <a:off x="1063720" y="2926393"/>
-            <a:ext cx="2824948" cy="338554"/>
-          </a:xfrm>
-          <a:prstGeom prst="rect">
-            <a:avLst/>
-          </a:prstGeom>
-          <a:noFill/>
-        </p:spPr>
-        <p:txBody>
-          <a:bodyPr wrap="square" rtlCol="0">
-            <a:spAutoFit/>
-          </a:bodyPr>
-          <a:lstStyle/>
-          <a:p>
-            <a:r>
-              <a:rPr lang="en-GB" sz="1600" dirty="0"/>
-              <a:t>e</a:t>
-            </a:r>
-            <a:r>
-              <a:rPr lang="en-GB" sz="1600" dirty="0" smtClean="0"/>
-              <a:t>dit, </a:t>
-            </a:r>
-            <a:r>
-              <a:rPr lang="en-GB" sz="1600" smtClean="0"/>
-              <a:t>push/pull source</a:t>
-            </a:r>
-            <a:endParaRPr lang="en-GB" sz="1600" dirty="0" smtClean="0"/>
-          </a:p>
-        </p:txBody>
-      </p:sp>
-      <p:cxnSp>
-        <p:nvCxnSpPr>
-          <p:cNvPr id="51" name="Conector angular 50"/>
-          <p:cNvCxnSpPr>
-            <a:stCxn id="30" idx="1"/>
-            <a:endCxn id="34" idx="1"/>
-          </p:cNvCxnSpPr>
-          <p:nvPr/>
-        </p:nvCxnSpPr>
-        <p:spPr>
-          <a:xfrm rot="10800000" flipV="1">
-            <a:off x="1845786" y="2236697"/>
-            <a:ext cx="205871" cy="2560897"/>
-          </a:xfrm>
-          <a:prstGeom prst="bentConnector3">
-            <a:avLst>
-              <a:gd name="adj1" fmla="val 644369"/>
-            </a:avLst>
-          </a:prstGeom>
-          <a:ln>
-            <a:tailEnd type="triangle"/>
-          </a:ln>
-        </p:spPr>
-        <p:style>
-          <a:lnRef idx="3">
-            <a:schemeClr val="dk1"/>
-          </a:lnRef>
-          <a:fillRef idx="0">
-            <a:schemeClr val="dk1"/>
-          </a:fillRef>
-          <a:effectRef idx="2">
-            <a:schemeClr val="dk1"/>
-          </a:effectRef>
-          <a:fontRef idx="minor">
-            <a:schemeClr val="tx1"/>
-          </a:fontRef>
-        </p:style>
-      </p:cxnSp>
+              </a:endParaRPr>
+            </a:p>
+          </p:txBody>
+        </p:sp>
+        <p:sp>
+          <p:nvSpPr>
+            <p:cNvPr id="31" name="Rectángulo 30"/>
+            <p:cNvSpPr/>
+            <p:nvPr/>
+          </p:nvSpPr>
+          <p:spPr>
+            <a:xfrm>
+              <a:off x="1679113" y="3359575"/>
+              <a:ext cx="2080852" cy="1881499"/>
+            </a:xfrm>
+            <a:prstGeom prst="rect">
+              <a:avLst/>
+            </a:prstGeom>
+          </p:spPr>
+          <p:style>
+            <a:lnRef idx="2">
+              <a:schemeClr val="accent2">
+                <a:shade val="50000"/>
+              </a:schemeClr>
+            </a:lnRef>
+            <a:fillRef idx="1">
+              <a:schemeClr val="accent2"/>
+            </a:fillRef>
+            <a:effectRef idx="0">
+              <a:schemeClr val="accent2"/>
+            </a:effectRef>
+            <a:fontRef idx="minor">
+              <a:schemeClr val="lt1"/>
+            </a:fontRef>
+          </p:style>
+          <p:txBody>
+            <a:bodyPr rtlCol="0" anchor="ctr"/>
+            <a:lstStyle/>
+            <a:p>
+              <a:pPr algn="ctr"/>
+              <a:endParaRPr lang="en-GB" dirty="0"/>
+            </a:p>
+          </p:txBody>
+        </p:sp>
+        <p:sp>
+          <p:nvSpPr>
+            <p:cNvPr id="32" name="CuadroTexto 31"/>
+            <p:cNvSpPr txBox="1"/>
+            <p:nvPr/>
+          </p:nvSpPr>
+          <p:spPr>
+            <a:xfrm>
+              <a:off x="2112577" y="3379072"/>
+              <a:ext cx="1213922" cy="369332"/>
+            </a:xfrm>
+            <a:prstGeom prst="rect">
+              <a:avLst/>
+            </a:prstGeom>
+            <a:noFill/>
+          </p:spPr>
+          <p:txBody>
+            <a:bodyPr wrap="none" rtlCol="0">
+              <a:spAutoFit/>
+            </a:bodyPr>
+            <a:lstStyle/>
+            <a:p>
+              <a:r>
+                <a:rPr lang="en-GB" dirty="0" smtClean="0"/>
+                <a:t>File system</a:t>
+              </a:r>
+              <a:endParaRPr lang="en-GB" dirty="0"/>
+            </a:p>
+          </p:txBody>
+        </p:sp>
+        <p:sp>
+          <p:nvSpPr>
+            <p:cNvPr id="33" name="Rectángulo 32"/>
+            <p:cNvSpPr/>
+            <p:nvPr/>
+          </p:nvSpPr>
+          <p:spPr>
+            <a:xfrm>
+              <a:off x="1845785" y="3862729"/>
+              <a:ext cx="1747507" cy="529125"/>
+            </a:xfrm>
+            <a:prstGeom prst="rect">
+              <a:avLst/>
+            </a:prstGeom>
+            <a:ln>
+              <a:prstDash val="dash"/>
+            </a:ln>
+          </p:spPr>
+          <p:style>
+            <a:lnRef idx="3">
+              <a:schemeClr val="lt1"/>
+            </a:lnRef>
+            <a:fillRef idx="1">
+              <a:schemeClr val="accent2"/>
+            </a:fillRef>
+            <a:effectRef idx="1">
+              <a:schemeClr val="accent2"/>
+            </a:effectRef>
+            <a:fontRef idx="minor">
+              <a:schemeClr val="lt1"/>
+            </a:fontRef>
+          </p:style>
+          <p:txBody>
+            <a:bodyPr rtlCol="0" anchor="ctr"/>
+            <a:lstStyle/>
+            <a:p>
+              <a:pPr algn="ctr"/>
+              <a:r>
+                <a:rPr lang="en-GB" sz="1600" dirty="0" smtClean="0"/>
+                <a:t>Source projects</a:t>
+              </a:r>
+              <a:endParaRPr lang="en-GB" sz="1600" dirty="0"/>
+            </a:p>
+          </p:txBody>
+        </p:sp>
+        <p:sp>
+          <p:nvSpPr>
+            <p:cNvPr id="34" name="Rectángulo 33"/>
+            <p:cNvSpPr/>
+            <p:nvPr/>
+          </p:nvSpPr>
+          <p:spPr>
+            <a:xfrm>
+              <a:off x="1845785" y="4533032"/>
+              <a:ext cx="1747507" cy="529125"/>
+            </a:xfrm>
+            <a:prstGeom prst="rect">
+              <a:avLst/>
+            </a:prstGeom>
+            <a:ln>
+              <a:prstDash val="dash"/>
+            </a:ln>
+          </p:spPr>
+          <p:style>
+            <a:lnRef idx="3">
+              <a:schemeClr val="lt1"/>
+            </a:lnRef>
+            <a:fillRef idx="1">
+              <a:schemeClr val="accent2"/>
+            </a:fillRef>
+            <a:effectRef idx="1">
+              <a:schemeClr val="accent2"/>
+            </a:effectRef>
+            <a:fontRef idx="minor">
+              <a:schemeClr val="lt1"/>
+            </a:fontRef>
+          </p:style>
+          <p:txBody>
+            <a:bodyPr rtlCol="0" anchor="ctr"/>
+            <a:lstStyle/>
+            <a:p>
+              <a:pPr algn="ctr"/>
+              <a:r>
+                <a:rPr lang="en-GB" sz="1600" dirty="0" smtClean="0"/>
+                <a:t>Reports, Logs, </a:t>
+              </a:r>
+              <a:r>
+                <a:rPr lang="is-IS" sz="1600" dirty="0" smtClean="0"/>
+                <a:t>…</a:t>
+              </a:r>
+              <a:endParaRPr lang="en-GB" sz="1600" dirty="0"/>
+            </a:p>
+          </p:txBody>
+        </p:sp>
+        <p:cxnSp>
+          <p:nvCxnSpPr>
+            <p:cNvPr id="38" name="Conector angular 37"/>
+            <p:cNvCxnSpPr>
+              <a:stCxn id="34" idx="3"/>
+              <a:endCxn id="16" idx="1"/>
+            </p:cNvCxnSpPr>
+            <p:nvPr/>
+          </p:nvCxnSpPr>
+          <p:spPr>
+            <a:xfrm flipV="1">
+              <a:off x="3593292" y="3865830"/>
+              <a:ext cx="1981286" cy="931765"/>
+            </a:xfrm>
+            <a:prstGeom prst="bentConnector3">
+              <a:avLst>
+                <a:gd name="adj1" fmla="val 75890"/>
+              </a:avLst>
+            </a:prstGeom>
+            <a:ln>
+              <a:headEnd type="triangle" w="lg" len="med"/>
+              <a:tailEnd type="triangle" w="lg" len="med"/>
+            </a:ln>
+          </p:spPr>
+          <p:style>
+            <a:lnRef idx="3">
+              <a:schemeClr val="dk1"/>
+            </a:lnRef>
+            <a:fillRef idx="0">
+              <a:schemeClr val="dk1"/>
+            </a:fillRef>
+            <a:effectRef idx="2">
+              <a:schemeClr val="dk1"/>
+            </a:effectRef>
+            <a:fontRef idx="minor">
+              <a:schemeClr val="tx1"/>
+            </a:fontRef>
+          </p:style>
+        </p:cxnSp>
+        <p:sp>
+          <p:nvSpPr>
+            <p:cNvPr id="39" name="Rectángulo 38"/>
+            <p:cNvSpPr/>
+            <p:nvPr/>
+          </p:nvSpPr>
+          <p:spPr>
+            <a:xfrm>
+              <a:off x="5720475" y="3461703"/>
+              <a:ext cx="1052909" cy="529125"/>
+            </a:xfrm>
+            <a:prstGeom prst="rect">
+              <a:avLst/>
+            </a:prstGeom>
+            <a:ln>
+              <a:prstDash val="dash"/>
+            </a:ln>
+          </p:spPr>
+          <p:style>
+            <a:lnRef idx="3">
+              <a:schemeClr val="lt1"/>
+            </a:lnRef>
+            <a:fillRef idx="1">
+              <a:schemeClr val="accent2"/>
+            </a:fillRef>
+            <a:effectRef idx="1">
+              <a:schemeClr val="accent2"/>
+            </a:effectRef>
+            <a:fontRef idx="minor">
+              <a:schemeClr val="lt1"/>
+            </a:fontRef>
+          </p:style>
+          <p:txBody>
+            <a:bodyPr rtlCol="0" anchor="ctr"/>
+            <a:lstStyle/>
+            <a:p>
+              <a:pPr algn="ctr"/>
+              <a:r>
+                <a:rPr lang="en-GB" sz="1600" dirty="0" smtClean="0"/>
+                <a:t>Volume</a:t>
+              </a:r>
+              <a:endParaRPr lang="en-GB" sz="1600" dirty="0"/>
+            </a:p>
+          </p:txBody>
+        </p:sp>
+        <p:cxnSp>
+          <p:nvCxnSpPr>
+            <p:cNvPr id="44" name="Conector angular 43"/>
+            <p:cNvCxnSpPr>
+              <a:stCxn id="33" idx="3"/>
+              <a:endCxn id="39" idx="1"/>
+            </p:cNvCxnSpPr>
+            <p:nvPr/>
+          </p:nvCxnSpPr>
+          <p:spPr>
+            <a:xfrm flipV="1">
+              <a:off x="3593292" y="3726266"/>
+              <a:ext cx="2127183" cy="401026"/>
+            </a:xfrm>
+            <a:prstGeom prst="bentConnector3">
+              <a:avLst>
+                <a:gd name="adj1" fmla="val 63630"/>
+              </a:avLst>
+            </a:prstGeom>
+            <a:ln>
+              <a:tailEnd type="triangle" w="lg" len="med"/>
+            </a:ln>
+          </p:spPr>
+          <p:style>
+            <a:lnRef idx="3">
+              <a:schemeClr val="dk1"/>
+            </a:lnRef>
+            <a:fillRef idx="0">
+              <a:schemeClr val="dk1"/>
+            </a:fillRef>
+            <a:effectRef idx="2">
+              <a:schemeClr val="dk1"/>
+            </a:effectRef>
+            <a:fontRef idx="minor">
+              <a:schemeClr val="tx1"/>
+            </a:fontRef>
+          </p:style>
+        </p:cxnSp>
+        <p:sp>
+          <p:nvSpPr>
+            <p:cNvPr id="47" name="CuadroTexto 46"/>
+            <p:cNvSpPr txBox="1"/>
+            <p:nvPr/>
+          </p:nvSpPr>
+          <p:spPr>
+            <a:xfrm>
+              <a:off x="3888668" y="4459040"/>
+              <a:ext cx="900696" cy="338554"/>
+            </a:xfrm>
+            <a:prstGeom prst="rect">
+              <a:avLst/>
+            </a:prstGeom>
+            <a:noFill/>
+          </p:spPr>
+          <p:txBody>
+            <a:bodyPr wrap="none" rtlCol="0">
+              <a:spAutoFit/>
+            </a:bodyPr>
+            <a:lstStyle/>
+            <a:p>
+              <a:r>
+                <a:rPr lang="en-GB" sz="1600" dirty="0" smtClean="0"/>
+                <a:t>r/w (nfs)</a:t>
+              </a:r>
+              <a:endParaRPr lang="en-GB" sz="1600" dirty="0"/>
+            </a:p>
+          </p:txBody>
+        </p:sp>
+        <p:cxnSp>
+          <p:nvCxnSpPr>
+            <p:cNvPr id="3" name="Conector angular 2"/>
+            <p:cNvCxnSpPr>
+              <a:stCxn id="30" idx="1"/>
+              <a:endCxn id="33" idx="1"/>
+            </p:cNvCxnSpPr>
+            <p:nvPr/>
+          </p:nvCxnSpPr>
+          <p:spPr>
+            <a:xfrm rot="10800000" flipV="1">
+              <a:off x="1845786" y="2236698"/>
+              <a:ext cx="205871" cy="1890594"/>
+            </a:xfrm>
+            <a:prstGeom prst="bentConnector3">
+              <a:avLst>
+                <a:gd name="adj1" fmla="val 492704"/>
+              </a:avLst>
+            </a:prstGeom>
+            <a:ln>
+              <a:tailEnd type="triangle"/>
+            </a:ln>
+          </p:spPr>
+          <p:style>
+            <a:lnRef idx="3">
+              <a:schemeClr val="dk1"/>
+            </a:lnRef>
+            <a:fillRef idx="0">
+              <a:schemeClr val="dk1"/>
+            </a:fillRef>
+            <a:effectRef idx="2">
+              <a:schemeClr val="dk1"/>
+            </a:effectRef>
+            <a:fontRef idx="minor">
+              <a:schemeClr val="tx1"/>
+            </a:fontRef>
+          </p:style>
+        </p:cxnSp>
+        <p:sp>
+          <p:nvSpPr>
+            <p:cNvPr id="36" name="CuadroTexto 35"/>
+            <p:cNvSpPr txBox="1"/>
+            <p:nvPr/>
+          </p:nvSpPr>
+          <p:spPr>
+            <a:xfrm>
+              <a:off x="927282" y="4467980"/>
+              <a:ext cx="561885" cy="338554"/>
+            </a:xfrm>
+            <a:prstGeom prst="rect">
+              <a:avLst/>
+            </a:prstGeom>
+            <a:noFill/>
+          </p:spPr>
+          <p:txBody>
+            <a:bodyPr wrap="none" rtlCol="0">
+              <a:spAutoFit/>
+            </a:bodyPr>
+            <a:lstStyle/>
+            <a:p>
+              <a:r>
+                <a:rPr lang="en-GB" sz="1600" dirty="0" smtClean="0"/>
+                <a:t>read</a:t>
+              </a:r>
+              <a:endParaRPr lang="en-GB" sz="1600" dirty="0"/>
+            </a:p>
+          </p:txBody>
+        </p:sp>
+        <p:sp>
+          <p:nvSpPr>
+            <p:cNvPr id="40" name="CuadroTexto 39"/>
+            <p:cNvSpPr txBox="1"/>
+            <p:nvPr/>
+          </p:nvSpPr>
+          <p:spPr>
+            <a:xfrm>
+              <a:off x="3752620" y="3782208"/>
+              <a:ext cx="1165447" cy="338554"/>
+            </a:xfrm>
+            <a:prstGeom prst="rect">
+              <a:avLst/>
+            </a:prstGeom>
+            <a:noFill/>
+          </p:spPr>
+          <p:txBody>
+            <a:bodyPr wrap="none" rtlCol="0">
+              <a:spAutoFit/>
+            </a:bodyPr>
+            <a:lstStyle/>
+            <a:p>
+              <a:r>
+                <a:rPr lang="en-GB" sz="1600" smtClean="0"/>
+                <a:t>read </a:t>
+              </a:r>
+              <a:r>
+                <a:rPr lang="en-GB" sz="1600" dirty="0" smtClean="0"/>
+                <a:t>(rsync)</a:t>
+              </a:r>
+              <a:endParaRPr lang="en-GB" sz="1600" dirty="0"/>
+            </a:p>
+          </p:txBody>
+        </p:sp>
+        <p:sp>
+          <p:nvSpPr>
+            <p:cNvPr id="48" name="CuadroTexto 47"/>
+            <p:cNvSpPr txBox="1"/>
+            <p:nvPr/>
+          </p:nvSpPr>
+          <p:spPr>
+            <a:xfrm>
+              <a:off x="1063720" y="2926393"/>
+              <a:ext cx="2824948" cy="338554"/>
+            </a:xfrm>
+            <a:prstGeom prst="rect">
+              <a:avLst/>
+            </a:prstGeom>
+            <a:noFill/>
+          </p:spPr>
+          <p:txBody>
+            <a:bodyPr wrap="square" rtlCol="0">
+              <a:spAutoFit/>
+            </a:bodyPr>
+            <a:lstStyle/>
+            <a:p>
+              <a:r>
+                <a:rPr lang="en-GB" sz="1600" dirty="0"/>
+                <a:t>e</a:t>
+              </a:r>
+              <a:r>
+                <a:rPr lang="en-GB" sz="1600" dirty="0" smtClean="0"/>
+                <a:t>dit, </a:t>
+              </a:r>
+              <a:r>
+                <a:rPr lang="en-GB" sz="1600" smtClean="0"/>
+                <a:t>push/pull source</a:t>
+              </a:r>
+              <a:endParaRPr lang="en-GB" sz="1600" dirty="0" smtClean="0"/>
+            </a:p>
+          </p:txBody>
+        </p:sp>
+        <p:cxnSp>
+          <p:nvCxnSpPr>
+            <p:cNvPr id="51" name="Conector angular 50"/>
+            <p:cNvCxnSpPr>
+              <a:stCxn id="30" idx="1"/>
+              <a:endCxn id="34" idx="1"/>
+            </p:cNvCxnSpPr>
+            <p:nvPr/>
+          </p:nvCxnSpPr>
+          <p:spPr>
+            <a:xfrm rot="10800000" flipV="1">
+              <a:off x="1845786" y="2236697"/>
+              <a:ext cx="205871" cy="2560897"/>
+            </a:xfrm>
+            <a:prstGeom prst="bentConnector3">
+              <a:avLst>
+                <a:gd name="adj1" fmla="val 644369"/>
+              </a:avLst>
+            </a:prstGeom>
+            <a:ln>
+              <a:tailEnd type="triangle"/>
+            </a:ln>
+          </p:spPr>
+          <p:style>
+            <a:lnRef idx="3">
+              <a:schemeClr val="dk1"/>
+            </a:lnRef>
+            <a:fillRef idx="0">
+              <a:schemeClr val="dk1"/>
+            </a:fillRef>
+            <a:effectRef idx="2">
+              <a:schemeClr val="dk1"/>
+            </a:effectRef>
+            <a:fontRef idx="minor">
+              <a:schemeClr val="tx1"/>
+            </a:fontRef>
+          </p:style>
+        </p:cxnSp>
+      </p:grpSp>
     </p:spTree>
     <p:extLst>
       <p:ext uri="{BB962C8B-B14F-4D97-AF65-F5344CB8AC3E}">
